--- a/Presentation2.pptx
+++ b/Presentation2.pptx
@@ -15,8 +15,9 @@
     <p:sldId id="264" r:id="rId9"/>
     <p:sldId id="263" r:id="rId10"/>
     <p:sldId id="266" r:id="rId11"/>
-    <p:sldId id="265" r:id="rId12"/>
-    <p:sldId id="260" r:id="rId13"/>
+    <p:sldId id="269" r:id="rId12"/>
+    <p:sldId id="265" r:id="rId13"/>
+    <p:sldId id="260" r:id="rId14"/>
   </p:sldIdLst>
   <p:sldSz cx="9144000" cy="6858000" type="screen4x3"/>
   <p:notesSz cx="6858000" cy="9144000"/>
@@ -306,7 +307,7 @@
           <a:p>
             <a:fld id="{C8A432C8-69A7-458B-9684-2BFA64B31948}" type="datetime2">
               <a:rPr lang="en-US" smtClean="0"/>
-              <a:t>Wednesday, March 19, 14</a:t>
+              <a:t>Wednesday, April 2, 14</a:t>
             </a:fld>
             <a:endParaRPr lang="en-US"/>
           </a:p>
@@ -508,7 +509,7 @@
           <a:p>
             <a:fld id="{8CC057FC-95B6-4D89-AFDA-ABA33EE921E5}" type="datetime2">
               <a:rPr lang="en-US" smtClean="0"/>
-              <a:t>Wednesday, March 19, 14</a:t>
+              <a:t>Wednesday, April 2, 14</a:t>
             </a:fld>
             <a:endParaRPr lang="en-US"/>
           </a:p>
@@ -685,7 +686,7 @@
           <a:p>
             <a:fld id="{EC4549AC-EB31-477F-92A9-B1988E232878}" type="datetime2">
               <a:rPr lang="en-US" smtClean="0"/>
-              <a:t>Wednesday, March 19, 14</a:t>
+              <a:t>Wednesday, April 2, 14</a:t>
             </a:fld>
             <a:endParaRPr lang="en-US"/>
           </a:p>
@@ -852,7 +853,7 @@
           <a:p>
             <a:fld id="{6396A3A3-94A6-4E5B-AF39-173ACA3E61CC}" type="datetime2">
               <a:rPr lang="en-US" smtClean="0"/>
-              <a:t>Wednesday, March 19, 14</a:t>
+              <a:t>Wednesday, April 2, 14</a:t>
             </a:fld>
             <a:endParaRPr lang="en-US"/>
           </a:p>
@@ -1102,7 +1103,7 @@
           <a:p>
             <a:fld id="{9933D019-A32C-4EAD-B8E6-DBDA699692FD}" type="datetime2">
               <a:rPr lang="en-US" smtClean="0"/>
-              <a:t>Wednesday, March 19, 14</a:t>
+              <a:t>Wednesday, April 2, 14</a:t>
             </a:fld>
             <a:endParaRPr lang="en-US"/>
           </a:p>
@@ -1422,7 +1423,7 @@
           <a:p>
             <a:fld id="{CCEBA98F-560C-4997-81C4-81D4D9187EAB}" type="datetime2">
               <a:rPr lang="en-US" smtClean="0"/>
-              <a:t>Wednesday, March 19, 14</a:t>
+              <a:t>Wednesday, April 2, 14</a:t>
             </a:fld>
             <a:endParaRPr lang="en-US"/>
           </a:p>
@@ -1890,7 +1891,7 @@
           <a:p>
             <a:fld id="{150972B2-CA5C-437D-87D0-8081271A9E4B}" type="datetime2">
               <a:rPr lang="en-US" smtClean="0"/>
-              <a:t>Wednesday, March 19, 14</a:t>
+              <a:t>Wednesday, April 2, 14</a:t>
             </a:fld>
             <a:endParaRPr lang="en-US"/>
           </a:p>
@@ -2040,7 +2041,7 @@
           <a:p>
             <a:fld id="{79CD4847-11EF-4466-A8AD-85CDB7B49118}" type="datetime2">
               <a:rPr lang="en-US" smtClean="0"/>
-              <a:t>Wednesday, March 19, 14</a:t>
+              <a:t>Wednesday, April 2, 14</a:t>
             </a:fld>
             <a:endParaRPr lang="en-US"/>
           </a:p>
@@ -2132,7 +2133,7 @@
           <a:p>
             <a:fld id="{F168457A-3AB9-4880-8A0C-9F8524491207}" type="datetime2">
               <a:rPr lang="en-US" smtClean="0"/>
-              <a:t>Wednesday, March 19, 14</a:t>
+              <a:t>Wednesday, April 2, 14</a:t>
             </a:fld>
             <a:endParaRPr lang="en-US"/>
           </a:p>
@@ -2408,7 +2409,7 @@
           <a:p>
             <a:fld id="{3FE976D3-5B7F-4300-ABED-C91F1B2AE209}" type="datetime2">
               <a:rPr lang="en-US" smtClean="0"/>
-              <a:t>Wednesday, March 19, 14</a:t>
+              <a:t>Wednesday, April 2, 14</a:t>
             </a:fld>
             <a:endParaRPr lang="en-US"/>
           </a:p>
@@ -2715,7 +2716,7 @@
           <a:p>
             <a:fld id="{EBDC1E59-17DD-41CE-97CA-624A472382D4}" type="datetime2">
               <a:rPr lang="en-US" smtClean="0"/>
-              <a:t>Wednesday, March 19, 14</a:t>
+              <a:t>Wednesday, April 2, 14</a:t>
             </a:fld>
             <a:endParaRPr lang="en-US"/>
           </a:p>
@@ -3015,7 +3016,7 @@
           <a:p>
             <a:fld id="{A80CB818-7379-467D-8E76-EF9D9074A26C}" type="datetime2">
               <a:rPr lang="en-US" smtClean="0"/>
-              <a:t>Wednesday, March 19, 14</a:t>
+              <a:t>Wednesday, April 2, 14</a:t>
             </a:fld>
             <a:endParaRPr lang="en-US" dirty="0"/>
           </a:p>
@@ -3609,8 +3610,8 @@
         </p:blipFill>
         <p:spPr>
           <a:xfrm>
-            <a:off x="457200" y="3799310"/>
-            <a:ext cx="4161801" cy="2822371"/>
+            <a:off x="490455" y="3783820"/>
+            <a:ext cx="4128546" cy="2799819"/>
           </a:xfrm>
           <a:prstGeom prst="rect">
             <a:avLst/>
@@ -3684,6 +3685,383 @@
           <a:chExt cx="0" cy="0"/>
         </a:xfrm>
       </p:grpSpPr>
+      <p:sp>
+        <p:nvSpPr>
+          <p:cNvPr id="2" name="Title 1"/>
+          <p:cNvSpPr>
+            <a:spLocks noGrp="1"/>
+          </p:cNvSpPr>
+          <p:nvPr>
+            <p:ph type="title"/>
+          </p:nvPr>
+        </p:nvSpPr>
+        <p:spPr/>
+        <p:txBody>
+          <a:bodyPr>
+            <a:normAutofit fontScale="90000"/>
+          </a:bodyPr>
+          <a:lstStyle/>
+          <a:p>
+            <a:r>
+              <a:rPr lang="en-US" dirty="0"/>
+              <a:t>Summary of Precision in Methods</a:t>
+            </a:r>
+            <a:br>
+              <a:rPr lang="en-US" dirty="0"/>
+            </a:br>
+            <a:r>
+              <a:rPr lang="en-US" dirty="0" smtClean="0"/>
+              <a:t>(</a:t>
+            </a:r>
+            <a:r>
+              <a:rPr lang="en-US" dirty="0"/>
+              <a:t>7</a:t>
+            </a:r>
+            <a:r>
+              <a:rPr lang="en-US" dirty="0" smtClean="0"/>
+              <a:t> </a:t>
+            </a:r>
+            <a:r>
+              <a:rPr lang="en-US" dirty="0"/>
+              <a:t>Value per Trial)</a:t>
+            </a:r>
+          </a:p>
+        </p:txBody>
+      </p:sp>
+      <p:graphicFrame>
+        <p:nvGraphicFramePr>
+          <p:cNvPr id="4" name="Table 3"/>
+          <p:cNvGraphicFramePr>
+            <a:graphicFrameLocks noGrp="1"/>
+          </p:cNvGraphicFramePr>
+          <p:nvPr>
+            <p:extLst>
+              <p:ext uri="{D42A27DB-BD31-4B8C-83A1-F6EECF244321}">
+                <p14:modId xmlns:p14="http://schemas.microsoft.com/office/powerpoint/2010/main" val="3233643559"/>
+              </p:ext>
+            </p:extLst>
+          </p:nvPr>
+        </p:nvGraphicFramePr>
+        <p:xfrm>
+          <a:off x="1241776" y="1777998"/>
+          <a:ext cx="6306552" cy="4555116"/>
+        </p:xfrm>
+        <a:graphic>
+          <a:graphicData uri="http://schemas.openxmlformats.org/drawingml/2006/table">
+            <a:tbl>
+              <a:tblPr firstRow="1" bandRow="1">
+                <a:tableStyleId>{3C2FFA5D-87B4-456A-9821-1D502468CF0F}</a:tableStyleId>
+              </a:tblPr>
+              <a:tblGrid>
+                <a:gridCol w="1576638"/>
+                <a:gridCol w="1576638"/>
+                <a:gridCol w="1576638"/>
+                <a:gridCol w="1576638"/>
+              </a:tblGrid>
+              <a:tr h="1138779">
+                <a:tc>
+                  <a:txBody>
+                    <a:bodyPr/>
+                    <a:lstStyle/>
+                    <a:p>
+                      <a:r>
+                        <a:rPr lang="en-US" dirty="0" smtClean="0"/>
+                        <a:t>Shaping</a:t>
+                      </a:r>
+                      <a:r>
+                        <a:rPr lang="en-US" baseline="0" dirty="0" smtClean="0"/>
+                        <a:t> Time</a:t>
+                      </a:r>
+                      <a:endParaRPr lang="en-US" dirty="0"/>
+                    </a:p>
+                  </a:txBody>
+                  <a:tcPr/>
+                </a:tc>
+                <a:tc>
+                  <a:txBody>
+                    <a:bodyPr/>
+                    <a:lstStyle/>
+                    <a:p>
+                      <a:r>
+                        <a:rPr lang="en-US" dirty="0" smtClean="0"/>
+                        <a:t>20 ns</a:t>
+                      </a:r>
+                      <a:endParaRPr lang="en-US" dirty="0"/>
+                    </a:p>
+                  </a:txBody>
+                  <a:tcPr/>
+                </a:tc>
+                <a:tc>
+                  <a:txBody>
+                    <a:bodyPr/>
+                    <a:lstStyle/>
+                    <a:p>
+                      <a:r>
+                        <a:rPr lang="en-US" dirty="0" smtClean="0"/>
+                        <a:t>40 ns</a:t>
+                      </a:r>
+                      <a:endParaRPr lang="en-US" dirty="0"/>
+                    </a:p>
+                  </a:txBody>
+                  <a:tcPr/>
+                </a:tc>
+                <a:tc>
+                  <a:txBody>
+                    <a:bodyPr/>
+                    <a:lstStyle/>
+                    <a:p>
+                      <a:r>
+                        <a:rPr lang="en-US" dirty="0" smtClean="0"/>
+                        <a:t>100 ns</a:t>
+                      </a:r>
+                      <a:endParaRPr lang="en-US" dirty="0"/>
+                    </a:p>
+                  </a:txBody>
+                  <a:tcPr/>
+                </a:tc>
+              </a:tr>
+              <a:tr h="1138779">
+                <a:tc>
+                  <a:txBody>
+                    <a:bodyPr/>
+                    <a:lstStyle/>
+                    <a:p>
+                      <a:r>
+                        <a:rPr lang="en-US" dirty="0" smtClean="0"/>
+                        <a:t>Sum</a:t>
+                      </a:r>
+                      <a:r>
+                        <a:rPr lang="en-US" baseline="0" dirty="0" smtClean="0"/>
+                        <a:t> Method</a:t>
+                      </a:r>
+                      <a:endParaRPr lang="en-US" dirty="0"/>
+                    </a:p>
+                  </a:txBody>
+                  <a:tcPr/>
+                </a:tc>
+                <a:tc>
+                  <a:txBody>
+                    <a:bodyPr/>
+                    <a:lstStyle/>
+                    <a:p>
+                      <a:r>
+                        <a:rPr lang="en-US" dirty="0" smtClean="0"/>
+                        <a:t>0.03951</a:t>
+                      </a:r>
+                      <a:endParaRPr lang="en-US" dirty="0"/>
+                    </a:p>
+                  </a:txBody>
+                  <a:tcPr/>
+                </a:tc>
+                <a:tc>
+                  <a:txBody>
+                    <a:bodyPr/>
+                    <a:lstStyle/>
+                    <a:p>
+                      <a:r>
+                        <a:rPr lang="en-US" dirty="0" smtClean="0"/>
+                        <a:t>0.03723</a:t>
+                      </a:r>
+                      <a:endParaRPr lang="en-US" dirty="0"/>
+                    </a:p>
+                  </a:txBody>
+                  <a:tcPr/>
+                </a:tc>
+                <a:tc>
+                  <a:txBody>
+                    <a:bodyPr/>
+                    <a:lstStyle/>
+                    <a:p>
+                      <a:r>
+                        <a:rPr lang="en-US" dirty="0" smtClean="0"/>
+                        <a:t>0.0737</a:t>
+                      </a:r>
+                      <a:endParaRPr lang="en-US" dirty="0"/>
+                    </a:p>
+                  </a:txBody>
+                  <a:tcPr/>
+                </a:tc>
+              </a:tr>
+              <a:tr h="1138779">
+                <a:tc>
+                  <a:txBody>
+                    <a:bodyPr/>
+                    <a:lstStyle/>
+                    <a:p>
+                      <a:r>
+                        <a:rPr lang="en-US" dirty="0" smtClean="0"/>
+                        <a:t>Difference</a:t>
+                      </a:r>
+                      <a:r>
+                        <a:rPr lang="en-US" baseline="0" dirty="0" smtClean="0"/>
+                        <a:t> Method</a:t>
+                      </a:r>
+                      <a:endParaRPr lang="en-US" dirty="0"/>
+                    </a:p>
+                  </a:txBody>
+                  <a:tcPr/>
+                </a:tc>
+                <a:tc>
+                  <a:txBody>
+                    <a:bodyPr/>
+                    <a:lstStyle/>
+                    <a:p>
+                      <a:r>
+                        <a:rPr lang="en-US" dirty="0" smtClean="0"/>
+                        <a:t>0.03754</a:t>
+                      </a:r>
+                      <a:endParaRPr lang="en-US" dirty="0"/>
+                    </a:p>
+                  </a:txBody>
+                  <a:tcPr/>
+                </a:tc>
+                <a:tc>
+                  <a:txBody>
+                    <a:bodyPr/>
+                    <a:lstStyle/>
+                    <a:p>
+                      <a:pPr marL="0" marR="0" indent="0" algn="l" defTabSz="914400" rtl="0" eaLnBrk="1" fontAlgn="auto" latinLnBrk="0" hangingPunct="1">
+                        <a:lnSpc>
+                          <a:spcPct val="100000"/>
+                        </a:lnSpc>
+                        <a:spcBef>
+                          <a:spcPts val="0"/>
+                        </a:spcBef>
+                        <a:spcAft>
+                          <a:spcPts val="0"/>
+                        </a:spcAft>
+                        <a:buClrTx/>
+                        <a:buSzTx/>
+                        <a:buFontTx/>
+                        <a:buNone/>
+                        <a:tabLst/>
+                        <a:defRPr/>
+                      </a:pPr>
+                      <a:r>
+                        <a:rPr lang="en-US" dirty="0" smtClean="0"/>
+                        <a:t>0.01951</a:t>
+                      </a:r>
+                    </a:p>
+                    <a:p>
+                      <a:endParaRPr lang="en-US" dirty="0"/>
+                    </a:p>
+                  </a:txBody>
+                  <a:tcPr/>
+                </a:tc>
+                <a:tc>
+                  <a:txBody>
+                    <a:bodyPr/>
+                    <a:lstStyle/>
+                    <a:p>
+                      <a:r>
+                        <a:rPr lang="en-US" dirty="0" smtClean="0"/>
+                        <a:t>0.04064</a:t>
+                      </a:r>
+                      <a:endParaRPr lang="en-US" dirty="0"/>
+                    </a:p>
+                  </a:txBody>
+                  <a:tcPr/>
+                </a:tc>
+              </a:tr>
+              <a:tr h="1138779">
+                <a:tc>
+                  <a:txBody>
+                    <a:bodyPr/>
+                    <a:lstStyle/>
+                    <a:p>
+                      <a:r>
+                        <a:rPr lang="en-US" dirty="0" smtClean="0"/>
+                        <a:t>Fit Method</a:t>
+                      </a:r>
+                      <a:endParaRPr lang="en-US" dirty="0"/>
+                    </a:p>
+                  </a:txBody>
+                  <a:tcPr/>
+                </a:tc>
+                <a:tc>
+                  <a:txBody>
+                    <a:bodyPr/>
+                    <a:lstStyle/>
+                    <a:p>
+                      <a:r>
+                        <a:rPr lang="en-US" dirty="0" smtClean="0"/>
+                        <a:t>0.03341</a:t>
+                      </a:r>
+                      <a:endParaRPr lang="en-US" dirty="0"/>
+                    </a:p>
+                  </a:txBody>
+                  <a:tcPr/>
+                </a:tc>
+                <a:tc>
+                  <a:txBody>
+                    <a:bodyPr/>
+                    <a:lstStyle/>
+                    <a:p>
+                      <a:r>
+                        <a:rPr lang="en-US" dirty="0" smtClean="0"/>
+                        <a:t>0.007975</a:t>
+                      </a:r>
+                      <a:endParaRPr lang="en-US" dirty="0"/>
+                    </a:p>
+                  </a:txBody>
+                  <a:tcPr/>
+                </a:tc>
+                <a:tc>
+                  <a:txBody>
+                    <a:bodyPr/>
+                    <a:lstStyle/>
+                    <a:p>
+                      <a:r>
+                        <a:rPr lang="en-US" dirty="0" smtClean="0"/>
+                        <a:t>0.02864</a:t>
+                      </a:r>
+                      <a:endParaRPr lang="en-US" dirty="0"/>
+                    </a:p>
+                  </a:txBody>
+                  <a:tcPr/>
+                </a:tc>
+              </a:tr>
+            </a:tbl>
+          </a:graphicData>
+        </a:graphic>
+      </p:graphicFrame>
+    </p:spTree>
+    <p:extLst>
+      <p:ext uri="{BB962C8B-B14F-4D97-AF65-F5344CB8AC3E}">
+        <p14:creationId xmlns:p14="http://schemas.microsoft.com/office/powerpoint/2010/main" val="3558735831"/>
+      </p:ext>
+    </p:extLst>
+  </p:cSld>
+  <p:clrMapOvr>
+    <a:masterClrMapping/>
+  </p:clrMapOvr>
+  <p:timing>
+    <p:tnLst>
+      <p:par>
+        <p:cTn xmlns:p14="http://schemas.microsoft.com/office/powerpoint/2010/main" id="1" dur="indefinite" restart="never" nodeType="tmRoot"/>
+      </p:par>
+    </p:tnLst>
+  </p:timing>
+</p:sld>
+</file>
+
+<file path=ppt/slides/slide12.xml><?xml version="1.0" encoding="utf-8"?>
+<p:sld xmlns:a="http://schemas.openxmlformats.org/drawingml/2006/main" xmlns:r="http://schemas.openxmlformats.org/officeDocument/2006/relationships" xmlns:p="http://schemas.openxmlformats.org/presentationml/2006/main">
+  <p:cSld>
+    <p:spTree>
+      <p:nvGrpSpPr>
+        <p:cNvPr id="1" name=""/>
+        <p:cNvGrpSpPr/>
+        <p:nvPr/>
+      </p:nvGrpSpPr>
+      <p:grpSpPr>
+        <a:xfrm>
+          <a:off x="0" y="0"/>
+          <a:ext cx="0" cy="0"/>
+          <a:chOff x="0" y="0"/>
+          <a:chExt cx="0" cy="0"/>
+        </a:xfrm>
+      </p:grpSpPr>
       <p:graphicFrame>
         <p:nvGraphicFramePr>
           <p:cNvPr id="3" name="Table 2"/>
@@ -3693,13 +4071,13 @@
           <p:nvPr>
             <p:extLst>
               <p:ext uri="{D42A27DB-BD31-4B8C-83A1-F6EECF244321}">
-                <p14:modId xmlns:p14="http://schemas.microsoft.com/office/powerpoint/2010/main" val="3634650544"/>
+                <p14:modId xmlns:p14="http://schemas.microsoft.com/office/powerpoint/2010/main" val="2849946836"/>
               </p:ext>
             </p:extLst>
           </p:nvPr>
         </p:nvGraphicFramePr>
         <p:xfrm>
-          <a:off x="1241776" y="1566332"/>
+          <a:off x="1241776" y="1829655"/>
           <a:ext cx="6306552" cy="4555116"/>
         </p:xfrm>
         <a:graphic>
@@ -3993,12 +4371,21 @@
         </p:nvSpPr>
         <p:spPr/>
         <p:txBody>
-          <a:bodyPr/>
+          <a:bodyPr>
+            <a:normAutofit fontScale="90000"/>
+          </a:bodyPr>
           <a:lstStyle/>
           <a:p>
             <a:r>
               <a:rPr lang="en-US" dirty="0" smtClean="0"/>
               <a:t>Summary of Precision in Methods</a:t>
+            </a:r>
+            <a:br>
+              <a:rPr lang="en-US" dirty="0" smtClean="0"/>
+            </a:br>
+            <a:r>
+              <a:rPr lang="en-US" dirty="0" smtClean="0"/>
+              <a:t>(10 Value per Trial)</a:t>
             </a:r>
             <a:endParaRPr lang="en-US" dirty="0"/>
           </a:p>
@@ -4024,7 +4411,7 @@
 </p:sld>
 </file>
 
-<file path=ppt/slides/slide12.xml><?xml version="1.0" encoding="utf-8"?>
+<file path=ppt/slides/slide13.xml><?xml version="1.0" encoding="utf-8"?>
 <p:sld xmlns:a="http://schemas.openxmlformats.org/drawingml/2006/main" xmlns:r="http://schemas.openxmlformats.org/officeDocument/2006/relationships" xmlns:p="http://schemas.openxmlformats.org/presentationml/2006/main">
   <p:cSld>
     <p:spTree>
@@ -4225,7 +4612,7 @@
           <a:p>
             <a:r>
               <a:rPr lang="en-US" dirty="0" smtClean="0"/>
-              <a:t>According to standard model conversion should be extremely rare &lt;10</a:t>
+              <a:t>According to standard model, conversion should be extremely rare &lt;10</a:t>
             </a:r>
             <a:r>
               <a:rPr lang="en-US" baseline="30000" dirty="0" smtClean="0"/>
@@ -4233,7 +4620,7 @@
             </a:r>
             <a:r>
               <a:rPr lang="en-US" dirty="0" smtClean="0"/>
-              <a:t> Some SUSY theories predict conversion will occur at probabilities up to 10</a:t>
+              <a:t> Some SUSY theories predict conversion will occur with probabilities up to 10</a:t>
             </a:r>
             <a:r>
               <a:rPr lang="en-US" baseline="30000" dirty="0" smtClean="0"/>
@@ -4386,13 +4773,18 @@
             </a:r>
           </a:p>
           <a:p>
-            <a:r>
-              <a:rPr lang="en-US" dirty="0" smtClean="0"/>
-              <a:t>Protons have much higher energy than </a:t>
-            </a:r>
-            <a:r>
-              <a:rPr lang="en-US" dirty="0" smtClean="0"/>
-              <a:t>electrons</a:t>
+            <a:pPr lvl="1"/>
+            <a:r>
+              <a:rPr lang="en-US" dirty="0" smtClean="0"/>
+              <a:t>Protons easy to differentiate due to their high </a:t>
+            </a:r>
+            <a:r>
+              <a:rPr lang="en-US" dirty="0" err="1" smtClean="0"/>
+              <a:t>dE</a:t>
+            </a:r>
+            <a:r>
+              <a:rPr lang="en-US" dirty="0" smtClean="0"/>
+              <a:t>/dx</a:t>
             </a:r>
           </a:p>
           <a:p>
@@ -4406,20 +4798,13 @@
             </a:r>
             <a:r>
               <a:rPr lang="en-US" dirty="0" smtClean="0"/>
-              <a:t> from electrons</a:t>
-            </a:r>
-          </a:p>
-          <a:p>
-            <a:r>
-              <a:rPr lang="en-US" dirty="0" smtClean="0"/>
-              <a:t>Analyze </a:t>
-            </a:r>
-            <a:r>
-              <a:rPr lang="en-US" dirty="0" smtClean="0"/>
-              <a:t>waveforms using output of ADC</a:t>
-            </a:r>
-          </a:p>
-          <a:p>
+              <a:t> from electrons (depending on precision of measurement)</a:t>
+            </a:r>
+          </a:p>
+          <a:p>
+            <a:pPr marL="0" indent="0">
+              <a:buNone/>
+            </a:pPr>
             <a:endParaRPr lang="en-US" dirty="0"/>
           </a:p>
           <a:p>
@@ -4503,37 +4888,47 @@
         <p:spPr/>
         <p:txBody>
           <a:bodyPr>
-            <a:normAutofit fontScale="92500" lnSpcReduction="10000"/>
+            <a:normAutofit fontScale="92500"/>
           </a:bodyPr>
           <a:lstStyle/>
           <a:p>
             <a:r>
               <a:rPr lang="en-US" dirty="0" smtClean="0"/>
-              <a:t>Simulate output of ADC waveform</a:t>
-            </a:r>
-          </a:p>
-          <a:p>
-            <a:r>
-              <a:rPr lang="en-US" dirty="0" smtClean="0"/>
+              <a:t>Help </a:t>
+            </a:r>
+            <a:r>
+              <a:rPr lang="en-US" dirty="0" smtClean="0"/>
+              <a:t>determine an optimal design for the </a:t>
+            </a:r>
+            <a:r>
+              <a:rPr lang="en-US" dirty="0" smtClean="0"/>
+              <a:t>ADC’s, </a:t>
+            </a:r>
+            <a:r>
+              <a:rPr lang="en-US" dirty="0" smtClean="0"/>
+              <a:t>which are yet to be built.</a:t>
+            </a:r>
+          </a:p>
+          <a:p>
+            <a:r>
+              <a:rPr lang="en-US" dirty="0" smtClean="0"/>
+              <a:t>Achieve optimum precision in final </a:t>
+            </a:r>
+            <a:r>
+              <a:rPr lang="en-US" dirty="0" smtClean="0"/>
+              <a:t>measurements</a:t>
+            </a:r>
+          </a:p>
+          <a:p>
+            <a:r>
+              <a:rPr lang="en-US" dirty="0"/>
               <a:t>Achieve greater understanding of dependence between various contributions to noise and precision in </a:t>
             </a:r>
             <a:r>
               <a:rPr lang="en-US" dirty="0" smtClean="0"/>
               <a:t>measurements</a:t>
             </a:r>
-          </a:p>
-          <a:p>
-            <a:r>
-              <a:rPr lang="en-US" dirty="0" smtClean="0"/>
-              <a:t>Help determine an optimal design for the ADC, which are yet to be built.</a:t>
-            </a:r>
             <a:endParaRPr lang="en-US" dirty="0" smtClean="0"/>
-          </a:p>
-          <a:p>
-            <a:r>
-              <a:rPr lang="en-US" dirty="0" smtClean="0"/>
-              <a:t>Achieve optimum precision in final measurements</a:t>
-            </a:r>
           </a:p>
           <a:p>
             <a:r>
@@ -4678,7 +5073,12 @@
             <p:ph idx="1"/>
           </p:nvPr>
         </p:nvSpPr>
-        <p:spPr/>
+        <p:spPr>
+          <a:xfrm>
+            <a:off x="457200" y="1303869"/>
+            <a:ext cx="8229600" cy="4876800"/>
+          </a:xfrm>
+        </p:spPr>
         <p:txBody>
           <a:bodyPr/>
           <a:lstStyle/>
@@ -4697,11 +5097,7 @@
           <a:p>
             <a:r>
               <a:rPr lang="en-US" dirty="0" smtClean="0"/>
-              <a:t>Computes </a:t>
-            </a:r>
-            <a:r>
-              <a:rPr lang="en-US" dirty="0" smtClean="0"/>
-              <a:t>value of current using:</a:t>
+              <a:t>Computes value of current using:</a:t>
             </a:r>
           </a:p>
           <a:p>
@@ -4723,10 +5119,16 @@
             </a:r>
           </a:p>
           <a:p>
+            <a:r>
+              <a:rPr lang="en-US" dirty="0" smtClean="0"/>
+              <a:t>10,000 Trials</a:t>
+            </a:r>
+          </a:p>
+          <a:p>
             <a:pPr marL="0" indent="0">
               <a:buNone/>
             </a:pPr>
-            <a:endParaRPr lang="de-DE" dirty="0"/>
+            <a:endParaRPr lang="de-DE" dirty="0" smtClean="0"/>
           </a:p>
           <a:p>
             <a:endParaRPr lang="de-DE" dirty="0" smtClean="0"/>
@@ -4767,8 +5169,8 @@
         </p:blipFill>
         <p:spPr>
           <a:xfrm>
-            <a:off x="2328446" y="3487818"/>
-            <a:ext cx="4004221" cy="1116582"/>
+            <a:off x="2328446" y="3130543"/>
+            <a:ext cx="3688179" cy="1028453"/>
           </a:xfrm>
           <a:prstGeom prst="rect">
             <a:avLst/>
@@ -4851,28 +5253,53 @@
           <a:lstStyle/>
           <a:p>
             <a:r>
+              <a:rPr lang="en-US" dirty="0" smtClean="0"/>
+              <a:t>Collect </a:t>
+            </a:r>
+            <a:r>
               <a:rPr lang="en-US" dirty="0"/>
-              <a:t>Collect at 7 times during each trial</a:t>
-            </a:r>
-          </a:p>
-          <a:p>
+              <a:t>at 7 times during each </a:t>
+            </a:r>
+            <a:r>
+              <a:rPr lang="en-US" dirty="0" smtClean="0"/>
+              <a:t>trial</a:t>
+            </a:r>
+          </a:p>
+          <a:p>
+            <a:pPr lvl="1"/>
+            <a:r>
+              <a:rPr lang="en-US" dirty="0" smtClean="0"/>
+              <a:t>2 “</a:t>
+            </a:r>
+            <a:r>
+              <a:rPr lang="en-US" dirty="0" err="1" smtClean="0"/>
+              <a:t>prevalues</a:t>
+            </a:r>
+            <a:r>
+              <a:rPr lang="en-US" dirty="0" smtClean="0"/>
+              <a:t>” </a:t>
+            </a:r>
+            <a:endParaRPr lang="en-US" dirty="0"/>
+          </a:p>
+          <a:p>
+            <a:r>
+              <a:rPr lang="en-US" dirty="0" smtClean="0"/>
+              <a:t>Conversion </a:t>
+            </a:r>
             <a:r>
               <a:rPr lang="en-US" dirty="0"/>
-              <a:t>Convert to </a:t>
-            </a:r>
-            <a:r>
-              <a:rPr lang="en-US" dirty="0" smtClean="0"/>
-              <a:t>bits</a:t>
-            </a:r>
-          </a:p>
-          <a:p>
-            <a:r>
-              <a:rPr lang="en-US" dirty="0" smtClean="0"/>
-              <a:t>Fixed clock frequency</a:t>
-            </a:r>
-            <a:endParaRPr lang="en-US" dirty="0"/>
-          </a:p>
-          <a:p>
+              <a:t>to </a:t>
+            </a:r>
+            <a:r>
+              <a:rPr lang="en-US" dirty="0" smtClean="0"/>
+              <a:t>bits (floor float values)</a:t>
+            </a:r>
+          </a:p>
+          <a:p>
+            <a:r>
+              <a:rPr lang="en-US" dirty="0" smtClean="0"/>
+              <a:t>Fixed clock frequency (20 ns)</a:t>
+            </a:r>
             <a:endParaRPr lang="en-US" dirty="0"/>
           </a:p>
         </p:txBody>
@@ -4887,6 +5314,13 @@
   <p:clrMapOvr>
     <a:masterClrMapping/>
   </p:clrMapOvr>
+  <p:timing>
+    <p:tnLst>
+      <p:par>
+        <p:cTn xmlns:p14="http://schemas.microsoft.com/office/powerpoint/2010/main" id="1" dur="indefinite" restart="never" nodeType="tmRoot"/>
+      </p:par>
+    </p:tnLst>
+  </p:timing>
 </p:sld>
 </file>
 
@@ -4953,6 +5387,17 @@
           <a:p>
             <a:pPr lvl="1"/>
             <a:r>
+              <a:rPr lang="en-US" dirty="0"/>
+              <a:t>Compute difference in values (used only for large shaping </a:t>
+            </a:r>
+            <a:r>
+              <a:rPr lang="en-US" dirty="0" smtClean="0"/>
+              <a:t>times)</a:t>
+            </a:r>
+          </a:p>
+          <a:p>
+            <a:pPr lvl="1"/>
+            <a:r>
               <a:rPr lang="en-US" dirty="0" smtClean="0"/>
               <a:t>Compute sum</a:t>
             </a:r>
@@ -4965,15 +5410,35 @@
             </a:r>
           </a:p>
           <a:p>
+            <a:r>
+              <a:rPr lang="en-US" dirty="0" smtClean="0"/>
+              <a:t>Fitted Parameters</a:t>
+            </a:r>
+          </a:p>
+          <a:p>
             <a:pPr lvl="1"/>
             <a:r>
               <a:rPr lang="en-US" dirty="0" smtClean="0"/>
-              <a:t>Compute difference in values (used only for large shaping times</a:t>
-            </a:r>
-            <a:r>
-              <a:rPr lang="en-US" dirty="0" smtClean="0"/>
-              <a:t>)</a:t>
-            </a:r>
+              <a:t>Starting Time</a:t>
+            </a:r>
+          </a:p>
+          <a:p>
+            <a:pPr lvl="1"/>
+            <a:r>
+              <a:rPr lang="en-US" dirty="0" smtClean="0"/>
+              <a:t>Scaling factor</a:t>
+            </a:r>
+          </a:p>
+          <a:p>
+            <a:pPr lvl="1"/>
+            <a:r>
+              <a:rPr lang="en-US" dirty="0" smtClean="0"/>
+              <a:t>Vertical shift</a:t>
+            </a:r>
+          </a:p>
+          <a:p>
+            <a:pPr lvl="1"/>
+            <a:endParaRPr lang="en-US" dirty="0" smtClean="0"/>
           </a:p>
           <a:p>
             <a:pPr lvl="1"/>
